--- a/Presentation.pptx
+++ b/Presentation.pptx
@@ -7,13 +7,14 @@
   <p:sldIdLst>
     <p:sldId id="256" r:id="rId2"/>
     <p:sldId id="257" r:id="rId3"/>
-    <p:sldId id="258" r:id="rId4"/>
-    <p:sldId id="259" r:id="rId5"/>
-    <p:sldId id="260" r:id="rId6"/>
-    <p:sldId id="261" r:id="rId7"/>
-    <p:sldId id="263" r:id="rId8"/>
-    <p:sldId id="262" r:id="rId9"/>
-    <p:sldId id="264" r:id="rId10"/>
+    <p:sldId id="265" r:id="rId4"/>
+    <p:sldId id="258" r:id="rId5"/>
+    <p:sldId id="259" r:id="rId6"/>
+    <p:sldId id="260" r:id="rId7"/>
+    <p:sldId id="261" r:id="rId8"/>
+    <p:sldId id="263" r:id="rId9"/>
+    <p:sldId id="262" r:id="rId10"/>
+    <p:sldId id="264" r:id="rId11"/>
   </p:sldIdLst>
   <p:sldSz cx="12192000" cy="6858000"/>
   <p:notesSz cx="6858000" cy="9144000"/>
@@ -112,6 +113,11 @@
       </a:defRPr>
     </a:lvl9pPr>
   </p:defaultTextStyle>
+  <p:extLst>
+    <p:ext uri="{EFAFB233-063F-42B5-8137-9DF3F51BA10A}">
+      <p15:sldGuideLst xmlns:p15="http://schemas.microsoft.com/office/powerpoint/2012/main"/>
+    </p:ext>
+  </p:extLst>
 </p:presentation>
 </file>
 
@@ -3463,6 +3469,97 @@
 </p:sld>
 </file>
 
+<file path=ppt/slides/slide10.xml><?xml version="1.0" encoding="utf-8"?>
+<p:sld xmlns:a="http://schemas.openxmlformats.org/drawingml/2006/main" xmlns:r="http://schemas.openxmlformats.org/officeDocument/2006/relationships" xmlns:p="http://schemas.openxmlformats.org/presentationml/2006/main">
+  <p:cSld>
+    <p:spTree>
+      <p:nvGrpSpPr>
+        <p:cNvPr id="1" name=""/>
+        <p:cNvGrpSpPr/>
+        <p:nvPr/>
+      </p:nvGrpSpPr>
+      <p:grpSpPr>
+        <a:xfrm>
+          <a:off x="0" y="0"/>
+          <a:ext cx="0" cy="0"/>
+          <a:chOff x="0" y="0"/>
+          <a:chExt cx="0" cy="0"/>
+        </a:xfrm>
+      </p:grpSpPr>
+      <p:sp>
+        <p:nvSpPr>
+          <p:cNvPr id="2" name="Titre 1"/>
+          <p:cNvSpPr>
+            <a:spLocks noGrp="1"/>
+          </p:cNvSpPr>
+          <p:nvPr>
+            <p:ph type="title"/>
+          </p:nvPr>
+        </p:nvSpPr>
+        <p:spPr/>
+        <p:txBody>
+          <a:bodyPr/>
+          <a:lstStyle/>
+          <a:p>
+            <a:r>
+              <a:rPr lang="fr-FR" dirty="0"/>
+              <a:t>conclusion</a:t>
+            </a:r>
+          </a:p>
+        </p:txBody>
+      </p:sp>
+      <p:sp>
+        <p:nvSpPr>
+          <p:cNvPr id="3" name="Espace réservé du contenu 2"/>
+          <p:cNvSpPr>
+            <a:spLocks noGrp="1"/>
+          </p:cNvSpPr>
+          <p:nvPr>
+            <p:ph idx="1"/>
+          </p:nvPr>
+        </p:nvSpPr>
+        <p:spPr/>
+        <p:txBody>
+          <a:bodyPr/>
+          <a:lstStyle/>
+          <a:p>
+            <a:r>
+              <a:rPr lang="fr-FR" dirty="0"/>
+              <a:t>Planning + validation des étapes par un intervenant (ex </a:t>
+            </a:r>
+            <a:r>
+              <a:rPr lang="fr-FR" dirty="0" err="1"/>
+              <a:t>electricien</a:t>
+            </a:r>
+            <a:r>
+              <a:rPr lang="fr-FR" dirty="0"/>
+              <a:t>)</a:t>
+            </a:r>
+          </a:p>
+          <a:p>
+            <a:endParaRPr lang="fr-FR" dirty="0"/>
+          </a:p>
+          <a:p>
+            <a:r>
+              <a:rPr lang="fr-FR" dirty="0"/>
+              <a:t>Temps d’installation </a:t>
+            </a:r>
+          </a:p>
+        </p:txBody>
+      </p:sp>
+    </p:spTree>
+    <p:extLst>
+      <p:ext uri="{BB962C8B-B14F-4D97-AF65-F5344CB8AC3E}">
+        <p14:creationId xmlns:p14="http://schemas.microsoft.com/office/powerpoint/2010/main" val="1990493570"/>
+      </p:ext>
+    </p:extLst>
+  </p:cSld>
+  <p:clrMapOvr>
+    <a:masterClrMapping/>
+  </p:clrMapOvr>
+</p:sld>
+</file>
+
 <file path=ppt/slides/slide2.xml><?xml version="1.0" encoding="utf-8"?>
 <p:sld xmlns:a="http://schemas.openxmlformats.org/drawingml/2006/main" xmlns:r="http://schemas.openxmlformats.org/officeDocument/2006/relationships" xmlns:p="http://schemas.openxmlformats.org/presentationml/2006/main">
   <p:cSld>
@@ -3519,13 +3616,7 @@
           <a:p>
             <a:r>
               <a:rPr lang="fr-FR" dirty="0"/>
-              <a:t>Plan d’adressage</a:t>
-            </a:r>
-          </a:p>
-          <a:p>
-            <a:r>
-              <a:rPr lang="fr-FR" dirty="0"/>
-              <a:t>Mise en place d’un réseau filaire et non filaire</a:t>
+              <a:t>Ce que l’on doit faire pour résoudre le projet</a:t>
             </a:r>
           </a:p>
         </p:txBody>
@@ -3577,7 +3668,7 @@
           <a:p>
             <a:r>
               <a:rPr lang="fr-FR" dirty="0"/>
-              <a:t>Disposition des équipements</a:t>
+              <a:t>Besoins</a:t>
             </a:r>
           </a:p>
         </p:txBody>
@@ -3599,24 +3690,18 @@
           <a:p>
             <a:r>
               <a:rPr lang="fr-FR" dirty="0"/>
-              <a:t>Emplacement des salle serveur</a:t>
+              <a:t>Cahier des charges</a:t>
             </a:r>
           </a:p>
           <a:p>
             <a:endParaRPr lang="fr-FR" dirty="0"/>
-          </a:p>
-          <a:p>
-            <a:r>
-              <a:rPr lang="fr-FR" dirty="0"/>
-              <a:t>Pourquoi on les a choisi a ces endroits</a:t>
-            </a:r>
           </a:p>
         </p:txBody>
       </p:sp>
     </p:spTree>
     <p:extLst>
       <p:ext uri="{BB962C8B-B14F-4D97-AF65-F5344CB8AC3E}">
-        <p14:creationId xmlns:p14="http://schemas.microsoft.com/office/powerpoint/2010/main" val="3996542892"/>
+        <p14:creationId xmlns:p14="http://schemas.microsoft.com/office/powerpoint/2010/main" val="3463416972"/>
       </p:ext>
     </p:extLst>
   </p:cSld>
@@ -3660,7 +3745,7 @@
           <a:p>
             <a:r>
               <a:rPr lang="fr-FR" dirty="0"/>
-              <a:t>Branchement Ethernet</a:t>
+              <a:t>Disposition des équipements</a:t>
             </a:r>
           </a:p>
         </p:txBody>
@@ -3682,7 +3767,7 @@
           <a:p>
             <a:r>
               <a:rPr lang="fr-FR" dirty="0"/>
-              <a:t>Choix commutateur </a:t>
+              <a:t>Emplacement des salle serveur</a:t>
             </a:r>
           </a:p>
           <a:p>
@@ -3691,21 +3776,7 @@
           <a:p>
             <a:r>
               <a:rPr lang="fr-FR" dirty="0"/>
-              <a:t>Choix type de </a:t>
-            </a:r>
-            <a:r>
-              <a:rPr lang="fr-FR" dirty="0" err="1"/>
-              <a:t>cable</a:t>
-            </a:r>
-            <a:endParaRPr lang="fr-FR" dirty="0"/>
-          </a:p>
-          <a:p>
-            <a:endParaRPr lang="fr-FR" dirty="0"/>
-          </a:p>
-          <a:p>
-            <a:r>
-              <a:rPr lang="fr-FR" dirty="0"/>
-              <a:t>Sécurité  </a:t>
+              <a:t>Pourquoi on les a choisi a ces endroits</a:t>
             </a:r>
           </a:p>
         </p:txBody>
@@ -3713,7 +3784,7 @@
     </p:spTree>
     <p:extLst>
       <p:ext uri="{BB962C8B-B14F-4D97-AF65-F5344CB8AC3E}">
-        <p14:creationId xmlns:p14="http://schemas.microsoft.com/office/powerpoint/2010/main" val="2367623552"/>
+        <p14:creationId xmlns:p14="http://schemas.microsoft.com/office/powerpoint/2010/main" val="3996542892"/>
       </p:ext>
     </p:extLst>
   </p:cSld>
@@ -3757,7 +3828,7 @@
           <a:p>
             <a:r>
               <a:rPr lang="fr-FR" dirty="0"/>
-              <a:t>WIFI</a:t>
+              <a:t>Branchement Ethernet</a:t>
             </a:r>
           </a:p>
         </p:txBody>
@@ -3779,7 +3850,7 @@
           <a:p>
             <a:r>
               <a:rPr lang="fr-FR" dirty="0"/>
-              <a:t>Sécurité</a:t>
+              <a:t>Choix commutateur </a:t>
             </a:r>
           </a:p>
           <a:p>
@@ -3788,29 +3859,29 @@
           <a:p>
             <a:r>
               <a:rPr lang="fr-FR" dirty="0"/>
-              <a:t>Plusieurs borne donc si une en panne système pénalise pas le système</a:t>
-            </a:r>
-          </a:p>
-          <a:p>
+              <a:t>Choix type de </a:t>
+            </a:r>
+            <a:r>
+              <a:rPr lang="fr-FR" dirty="0" err="1"/>
+              <a:t>cable</a:t>
+            </a:r>
             <a:endParaRPr lang="fr-FR" dirty="0"/>
           </a:p>
           <a:p>
+            <a:endParaRPr lang="fr-FR" dirty="0"/>
+          </a:p>
+          <a:p>
             <a:r>
               <a:rPr lang="fr-FR" dirty="0"/>
-              <a:t>Choix de la </a:t>
-            </a:r>
-            <a:r>
-              <a:rPr lang="fr-FR" dirty="0" err="1"/>
-              <a:t>brone</a:t>
-            </a:r>
-            <a:endParaRPr lang="fr-FR" dirty="0"/>
+              <a:t>Sécurité  </a:t>
+            </a:r>
           </a:p>
         </p:txBody>
       </p:sp>
     </p:spTree>
     <p:extLst>
       <p:ext uri="{BB962C8B-B14F-4D97-AF65-F5344CB8AC3E}">
-        <p14:creationId xmlns:p14="http://schemas.microsoft.com/office/powerpoint/2010/main" val="3294137470"/>
+        <p14:creationId xmlns:p14="http://schemas.microsoft.com/office/powerpoint/2010/main" val="2367623552"/>
       </p:ext>
     </p:extLst>
   </p:cSld>
@@ -3854,7 +3925,7 @@
           <a:p>
             <a:r>
               <a:rPr lang="fr-FR" dirty="0"/>
-              <a:t>Clonage et mise en place des machines</a:t>
+              <a:t>WIFI</a:t>
             </a:r>
           </a:p>
         </p:txBody>
@@ -3876,38 +3947,30 @@
           <a:p>
             <a:r>
               <a:rPr lang="fr-FR" dirty="0"/>
-              <a:t>Back up des </a:t>
+              <a:t>Sécurité</a:t>
+            </a:r>
+          </a:p>
+          <a:p>
+            <a:endParaRPr lang="fr-FR" dirty="0"/>
+          </a:p>
+          <a:p>
+            <a:r>
+              <a:rPr lang="fr-FR" dirty="0"/>
+              <a:t>Plusieurs borne donc si une en panne système pénalise pas le système</a:t>
+            </a:r>
+          </a:p>
+          <a:p>
+            <a:endParaRPr lang="fr-FR" dirty="0"/>
+          </a:p>
+          <a:p>
+            <a:r>
+              <a:rPr lang="fr-FR" dirty="0"/>
+              <a:t>Choix de la </a:t>
             </a:r>
             <a:r>
               <a:rPr lang="fr-FR" dirty="0" err="1"/>
-              <a:t>systemes</a:t>
-            </a:r>
-            <a:r>
-              <a:rPr lang="fr-FR" dirty="0"/>
-              <a:t>,</a:t>
-            </a:r>
-          </a:p>
-          <a:p>
-            <a:r>
-              <a:rPr lang="fr-FR" dirty="0"/>
-              <a:t>Le temps d’installation (créer une image et </a:t>
-            </a:r>
-            <a:r>
-              <a:rPr lang="fr-FR" dirty="0" err="1"/>
-              <a:t>clonner</a:t>
-            </a:r>
-            <a:r>
-              <a:rPr lang="fr-FR" dirty="0"/>
-              <a:t>)</a:t>
-            </a:r>
-          </a:p>
-          <a:p>
-            <a:endParaRPr lang="fr-FR" dirty="0"/>
-          </a:p>
-          <a:p>
-            <a:endParaRPr lang="fr-FR" dirty="0"/>
-          </a:p>
-          <a:p>
+              <a:t>brone</a:t>
+            </a:r>
             <a:endParaRPr lang="fr-FR" dirty="0"/>
           </a:p>
         </p:txBody>
@@ -3915,7 +3978,7 @@
     </p:spTree>
     <p:extLst>
       <p:ext uri="{BB962C8B-B14F-4D97-AF65-F5344CB8AC3E}">
-        <p14:creationId xmlns:p14="http://schemas.microsoft.com/office/powerpoint/2010/main" val="2210863832"/>
+        <p14:creationId xmlns:p14="http://schemas.microsoft.com/office/powerpoint/2010/main" val="3294137470"/>
       </p:ext>
     </p:extLst>
   </p:cSld>
@@ -3959,7 +4022,7 @@
           <a:p>
             <a:r>
               <a:rPr lang="fr-FR" dirty="0"/>
-              <a:t>Maquette réseau</a:t>
+              <a:t>Clonage et mise en place des machines</a:t>
             </a:r>
           </a:p>
         </p:txBody>
@@ -3981,29 +4044,39 @@
           <a:p>
             <a:r>
               <a:rPr lang="fr-FR" dirty="0"/>
-              <a:t>Fonctionnement avec </a:t>
-            </a:r>
-            <a:r>
-              <a:rPr lang="fr-FR" dirty="0" err="1"/>
-              <a:t>packet</a:t>
-            </a:r>
+              <a:t>Back up des systèmes,</a:t>
+            </a:r>
+          </a:p>
+          <a:p>
             <a:r>
               <a:rPr lang="fr-FR" dirty="0"/>
-              <a:t> tracer</a:t>
-            </a:r>
+              <a:t>Le temps d’installation (créer une image et cloner)</a:t>
+            </a:r>
+          </a:p>
+          <a:p>
+            <a:endParaRPr lang="fr-FR" dirty="0"/>
           </a:p>
           <a:p>
             <a:r>
               <a:rPr lang="fr-FR" dirty="0"/>
-              <a:t>Représentation du réseau avec une maquette basique.</a:t>
-            </a:r>
+              <a:t>Logiciel pour faire le clonage</a:t>
+            </a:r>
+          </a:p>
+          <a:p>
+            <a:endParaRPr lang="fr-FR" dirty="0"/>
+          </a:p>
+          <a:p>
+            <a:endParaRPr lang="fr-FR" dirty="0"/>
+          </a:p>
+          <a:p>
+            <a:endParaRPr lang="fr-FR" dirty="0"/>
           </a:p>
         </p:txBody>
       </p:sp>
     </p:spTree>
     <p:extLst>
       <p:ext uri="{BB962C8B-B14F-4D97-AF65-F5344CB8AC3E}">
-        <p14:creationId xmlns:p14="http://schemas.microsoft.com/office/powerpoint/2010/main" val="3814629269"/>
+        <p14:creationId xmlns:p14="http://schemas.microsoft.com/office/powerpoint/2010/main" val="2210863832"/>
       </p:ext>
     </p:extLst>
   </p:cSld>
@@ -4047,7 +4120,7 @@
           <a:p>
             <a:r>
               <a:rPr lang="fr-FR" dirty="0"/>
-              <a:t>Devis</a:t>
+              <a:t>Maquette réseau</a:t>
             </a:r>
           </a:p>
         </p:txBody>
@@ -4069,7 +4142,38 @@
           <a:p>
             <a:r>
               <a:rPr lang="fr-FR" dirty="0"/>
-              <a:t>Prix + temps de mise en place</a:t>
+              <a:t>Fonctionnement avec </a:t>
+            </a:r>
+            <a:r>
+              <a:rPr lang="fr-FR" dirty="0" err="1"/>
+              <a:t>packet</a:t>
+            </a:r>
+            <a:r>
+              <a:rPr lang="fr-FR" dirty="0"/>
+              <a:t> tracer</a:t>
+            </a:r>
+          </a:p>
+          <a:p>
+            <a:endParaRPr lang="fr-FR" dirty="0"/>
+          </a:p>
+          <a:p>
+            <a:r>
+              <a:rPr lang="fr-FR" dirty="0"/>
+              <a:t>Infrastructure et solution possible + avantage </a:t>
+            </a:r>
+            <a:r>
+              <a:rPr lang="fr-FR" dirty="0" err="1"/>
+              <a:t>inconvéniant</a:t>
+            </a:r>
+            <a:r>
+              <a:rPr lang="fr-FR" dirty="0"/>
+              <a:t> </a:t>
+            </a:r>
+          </a:p>
+          <a:p>
+            <a:r>
+              <a:rPr lang="fr-FR" dirty="0"/>
+              <a:t>Représentation du réseau avec une maquette basique.</a:t>
             </a:r>
           </a:p>
         </p:txBody>
@@ -4077,7 +4181,7 @@
     </p:spTree>
     <p:extLst>
       <p:ext uri="{BB962C8B-B14F-4D97-AF65-F5344CB8AC3E}">
-        <p14:creationId xmlns:p14="http://schemas.microsoft.com/office/powerpoint/2010/main" val="230102873"/>
+        <p14:creationId xmlns:p14="http://schemas.microsoft.com/office/powerpoint/2010/main" val="3814629269"/>
       </p:ext>
     </p:extLst>
   </p:cSld>
@@ -4121,7 +4225,7 @@
           <a:p>
             <a:r>
               <a:rPr lang="fr-FR" dirty="0"/>
-              <a:t>conclusion</a:t>
+              <a:t>Devis</a:t>
             </a:r>
           </a:p>
         </p:txBody>
@@ -4143,7 +4247,7 @@
           <a:p>
             <a:r>
               <a:rPr lang="fr-FR" dirty="0"/>
-              <a:t>Planning</a:t>
+              <a:t>Prix + temps de mise en place</a:t>
             </a:r>
           </a:p>
         </p:txBody>
@@ -4151,7 +4255,7 @@
     </p:spTree>
     <p:extLst>
       <p:ext uri="{BB962C8B-B14F-4D97-AF65-F5344CB8AC3E}">
-        <p14:creationId xmlns:p14="http://schemas.microsoft.com/office/powerpoint/2010/main" val="1990493570"/>
+        <p14:creationId xmlns:p14="http://schemas.microsoft.com/office/powerpoint/2010/main" val="230102873"/>
       </p:ext>
     </p:extLst>
   </p:cSld>
